--- a/Sales Forecasting System – PredictX.pptx
+++ b/Sales Forecasting System – PredictX.pptx
@@ -9639,7 +9639,7 @@
                   <a:cs typeface="Open Sans"/>
                   <a:sym typeface="Open Sans"/>
                 </a:rPr>
-                <a:t>Inaccurate forecasts result in inventory mismanagement, leading to $50K annual losses.</a:t>
+                <a:t>Inaccurate forecasts result in inventory mismanagement, leading to annual losses.</a:t>
               </a:r>
               <a:endParaRPr lang="en-US" sz="3310">
                 <a:solidFill>
